--- a/ODsayAndroidSDKSample/src/main/res/raw/design.pptx
+++ b/ODsayAndroidSDKSample/src/main/res/raw/design.pptx
@@ -107,6 +107,11 @@
       </a:defRPr>
     </a:lvl9pPr>
   </p:defaultTextStyle>
+  <p:extLst>
+    <p:ext uri="{EFAFB233-063F-42B5-8137-9DF3F51BA10A}">
+      <p15:sldGuideLst xmlns:p15="http://schemas.microsoft.com/office/powerpoint/2012/main"/>
+    </p:ext>
+  </p:extLst>
 </p:presentation>
 </file>
 
@@ -257,7 +262,7 @@
           <a:p>
             <a:fld id="{3E522ACC-EC56-4423-903A-BA4219C7B925}" type="datetimeFigureOut">
               <a:rPr lang="ko-KR" altLang="en-US" smtClean="0"/>
-              <a:t>2021-05-20</a:t>
+              <a:t>2021-05-21</a:t>
             </a:fld>
             <a:endParaRPr lang="ko-KR" altLang="en-US"/>
           </a:p>
@@ -455,7 +460,7 @@
           <a:p>
             <a:fld id="{3E522ACC-EC56-4423-903A-BA4219C7B925}" type="datetimeFigureOut">
               <a:rPr lang="ko-KR" altLang="en-US" smtClean="0"/>
-              <a:t>2021-05-20</a:t>
+              <a:t>2021-05-21</a:t>
             </a:fld>
             <a:endParaRPr lang="ko-KR" altLang="en-US"/>
           </a:p>
@@ -663,7 +668,7 @@
           <a:p>
             <a:fld id="{3E522ACC-EC56-4423-903A-BA4219C7B925}" type="datetimeFigureOut">
               <a:rPr lang="ko-KR" altLang="en-US" smtClean="0"/>
-              <a:t>2021-05-20</a:t>
+              <a:t>2021-05-21</a:t>
             </a:fld>
             <a:endParaRPr lang="ko-KR" altLang="en-US"/>
           </a:p>
@@ -861,7 +866,7 @@
           <a:p>
             <a:fld id="{3E522ACC-EC56-4423-903A-BA4219C7B925}" type="datetimeFigureOut">
               <a:rPr lang="ko-KR" altLang="en-US" smtClean="0"/>
-              <a:t>2021-05-20</a:t>
+              <a:t>2021-05-21</a:t>
             </a:fld>
             <a:endParaRPr lang="ko-KR" altLang="en-US"/>
           </a:p>
@@ -1136,7 +1141,7 @@
           <a:p>
             <a:fld id="{3E522ACC-EC56-4423-903A-BA4219C7B925}" type="datetimeFigureOut">
               <a:rPr lang="ko-KR" altLang="en-US" smtClean="0"/>
-              <a:t>2021-05-20</a:t>
+              <a:t>2021-05-21</a:t>
             </a:fld>
             <a:endParaRPr lang="ko-KR" altLang="en-US"/>
           </a:p>
@@ -1401,7 +1406,7 @@
           <a:p>
             <a:fld id="{3E522ACC-EC56-4423-903A-BA4219C7B925}" type="datetimeFigureOut">
               <a:rPr lang="ko-KR" altLang="en-US" smtClean="0"/>
-              <a:t>2021-05-20</a:t>
+              <a:t>2021-05-21</a:t>
             </a:fld>
             <a:endParaRPr lang="ko-KR" altLang="en-US"/>
           </a:p>
@@ -1813,7 +1818,7 @@
           <a:p>
             <a:fld id="{3E522ACC-EC56-4423-903A-BA4219C7B925}" type="datetimeFigureOut">
               <a:rPr lang="ko-KR" altLang="en-US" smtClean="0"/>
-              <a:t>2021-05-20</a:t>
+              <a:t>2021-05-21</a:t>
             </a:fld>
             <a:endParaRPr lang="ko-KR" altLang="en-US"/>
           </a:p>
@@ -1954,7 +1959,7 @@
           <a:p>
             <a:fld id="{3E522ACC-EC56-4423-903A-BA4219C7B925}" type="datetimeFigureOut">
               <a:rPr lang="ko-KR" altLang="en-US" smtClean="0"/>
-              <a:t>2021-05-20</a:t>
+              <a:t>2021-05-21</a:t>
             </a:fld>
             <a:endParaRPr lang="ko-KR" altLang="en-US"/>
           </a:p>
@@ -2067,7 +2072,7 @@
           <a:p>
             <a:fld id="{3E522ACC-EC56-4423-903A-BA4219C7B925}" type="datetimeFigureOut">
               <a:rPr lang="ko-KR" altLang="en-US" smtClean="0"/>
-              <a:t>2021-05-20</a:t>
+              <a:t>2021-05-21</a:t>
             </a:fld>
             <a:endParaRPr lang="ko-KR" altLang="en-US"/>
           </a:p>
@@ -2378,7 +2383,7 @@
           <a:p>
             <a:fld id="{3E522ACC-EC56-4423-903A-BA4219C7B925}" type="datetimeFigureOut">
               <a:rPr lang="ko-KR" altLang="en-US" smtClean="0"/>
-              <a:t>2021-05-20</a:t>
+              <a:t>2021-05-21</a:t>
             </a:fld>
             <a:endParaRPr lang="ko-KR" altLang="en-US"/>
           </a:p>
@@ -2666,7 +2671,7 @@
           <a:p>
             <a:fld id="{3E522ACC-EC56-4423-903A-BA4219C7B925}" type="datetimeFigureOut">
               <a:rPr lang="ko-KR" altLang="en-US" smtClean="0"/>
-              <a:t>2021-05-20</a:t>
+              <a:t>2021-05-21</a:t>
             </a:fld>
             <a:endParaRPr lang="ko-KR" altLang="en-US"/>
           </a:p>
@@ -2907,7 +2912,7 @@
           <a:p>
             <a:fld id="{3E522ACC-EC56-4423-903A-BA4219C7B925}" type="datetimeFigureOut">
               <a:rPr lang="ko-KR" altLang="en-US" smtClean="0"/>
-              <a:t>2021-05-20</a:t>
+              <a:t>2021-05-21</a:t>
             </a:fld>
             <a:endParaRPr lang="ko-KR" altLang="en-US"/>
           </a:p>
@@ -16522,6 +16527,394 @@
         <p:spPr>
           <a:xfrm>
             <a:off x="8242326" y="5345273"/>
+            <a:ext cx="773430" cy="430530"/>
+          </a:xfrm>
+          <a:prstGeom prst="roundRect">
+            <a:avLst>
+              <a:gd name="adj" fmla="val 11800"/>
+            </a:avLst>
+          </a:prstGeom>
+          <a:solidFill>
+            <a:schemeClr val="bg1"/>
+          </a:solidFill>
+          <a:ln>
+            <a:noFill/>
+          </a:ln>
+        </p:spPr>
+        <p:style>
+          <a:lnRef idx="2">
+            <a:schemeClr val="accent1">
+              <a:shade val="50000"/>
+            </a:schemeClr>
+          </a:lnRef>
+          <a:fillRef idx="1">
+            <a:schemeClr val="accent1"/>
+          </a:fillRef>
+          <a:effectRef idx="0">
+            <a:schemeClr val="accent1"/>
+          </a:effectRef>
+          <a:fontRef idx="minor">
+            <a:schemeClr val="lt1"/>
+          </a:fontRef>
+        </p:style>
+        <p:txBody>
+          <a:bodyPr rtlCol="0" anchor="ctr"/>
+          <a:lstStyle/>
+          <a:p>
+            <a:pPr algn="ctr"/>
+            <a:endParaRPr lang="ko-KR" altLang="en-US"/>
+          </a:p>
+        </p:txBody>
+      </p:sp>
+      <p:grpSp>
+        <p:nvGrpSpPr>
+          <p:cNvPr id="299" name="그룹 298">
+            <a:extLst>
+              <a:ext uri="{FF2B5EF4-FFF2-40B4-BE49-F238E27FC236}">
+                <a16:creationId xmlns:a16="http://schemas.microsoft.com/office/drawing/2014/main" id="{2A06EBF5-6209-4872-8A44-991ACD8DC796}"/>
+              </a:ext>
+            </a:extLst>
+          </p:cNvPr>
+          <p:cNvGrpSpPr/>
+          <p:nvPr/>
+        </p:nvGrpSpPr>
+        <p:grpSpPr>
+          <a:xfrm>
+            <a:off x="3596394" y="5370660"/>
+            <a:ext cx="1008302" cy="1137285"/>
+            <a:chOff x="4763057" y="4055745"/>
+            <a:chExt cx="1008302" cy="1137285"/>
+          </a:xfrm>
+          <a:solidFill>
+            <a:srgbClr val="7094E2"/>
+          </a:solidFill>
+        </p:grpSpPr>
+        <p:sp>
+          <p:nvSpPr>
+            <p:cNvPr id="300" name="직사각형 299">
+              <a:extLst>
+                <a:ext uri="{FF2B5EF4-FFF2-40B4-BE49-F238E27FC236}">
+                  <a16:creationId xmlns:a16="http://schemas.microsoft.com/office/drawing/2014/main" id="{A277AE8F-04DE-46E6-B5F4-A4117F2BB9F1}"/>
+                </a:ext>
+              </a:extLst>
+            </p:cNvPr>
+            <p:cNvSpPr/>
+            <p:nvPr/>
+          </p:nvSpPr>
+          <p:spPr>
+            <a:xfrm>
+              <a:off x="4848782" y="4116706"/>
+              <a:ext cx="834390" cy="946784"/>
+            </a:xfrm>
+            <a:prstGeom prst="rect">
+              <a:avLst/>
+            </a:prstGeom>
+            <a:grpFill/>
+            <a:ln>
+              <a:noFill/>
+            </a:ln>
+          </p:spPr>
+          <p:style>
+            <a:lnRef idx="2">
+              <a:schemeClr val="accent1">
+                <a:shade val="50000"/>
+              </a:schemeClr>
+            </a:lnRef>
+            <a:fillRef idx="1">
+              <a:schemeClr val="accent1"/>
+            </a:fillRef>
+            <a:effectRef idx="0">
+              <a:schemeClr val="accent1"/>
+            </a:effectRef>
+            <a:fontRef idx="minor">
+              <a:schemeClr val="lt1"/>
+            </a:fontRef>
+          </p:style>
+          <p:txBody>
+            <a:bodyPr rtlCol="0" anchor="ctr"/>
+            <a:lstStyle/>
+            <a:p>
+              <a:pPr algn="ctr"/>
+              <a:endParaRPr lang="ko-KR" altLang="en-US"/>
+            </a:p>
+          </p:txBody>
+        </p:sp>
+        <p:sp>
+          <p:nvSpPr>
+            <p:cNvPr id="301" name="사각형: 둥근 모서리 300">
+              <a:extLst>
+                <a:ext uri="{FF2B5EF4-FFF2-40B4-BE49-F238E27FC236}">
+                  <a16:creationId xmlns:a16="http://schemas.microsoft.com/office/drawing/2014/main" id="{E0BAD85A-FE5D-49BD-9365-7C82B04F28B8}"/>
+                </a:ext>
+              </a:extLst>
+            </p:cNvPr>
+            <p:cNvSpPr/>
+            <p:nvPr/>
+          </p:nvSpPr>
+          <p:spPr>
+            <a:xfrm>
+              <a:off x="4763057" y="4116706"/>
+              <a:ext cx="167640" cy="1076324"/>
+            </a:xfrm>
+            <a:prstGeom prst="roundRect">
+              <a:avLst>
+                <a:gd name="adj" fmla="val 50000"/>
+              </a:avLst>
+            </a:prstGeom>
+            <a:grpFill/>
+            <a:ln>
+              <a:noFill/>
+            </a:ln>
+          </p:spPr>
+          <p:style>
+            <a:lnRef idx="2">
+              <a:schemeClr val="accent1">
+                <a:shade val="50000"/>
+              </a:schemeClr>
+            </a:lnRef>
+            <a:fillRef idx="1">
+              <a:schemeClr val="accent1"/>
+            </a:fillRef>
+            <a:effectRef idx="0">
+              <a:schemeClr val="accent1"/>
+            </a:effectRef>
+            <a:fontRef idx="minor">
+              <a:schemeClr val="lt1"/>
+            </a:fontRef>
+          </p:style>
+          <p:txBody>
+            <a:bodyPr rtlCol="0" anchor="ctr"/>
+            <a:lstStyle/>
+            <a:p>
+              <a:pPr algn="ctr"/>
+              <a:endParaRPr lang="ko-KR" altLang="en-US"/>
+            </a:p>
+          </p:txBody>
+        </p:sp>
+        <p:sp>
+          <p:nvSpPr>
+            <p:cNvPr id="302" name="사각형: 둥근 모서리 301">
+              <a:extLst>
+                <a:ext uri="{FF2B5EF4-FFF2-40B4-BE49-F238E27FC236}">
+                  <a16:creationId xmlns:a16="http://schemas.microsoft.com/office/drawing/2014/main" id="{8D4513FE-6F50-4F61-ADB5-E59A84A690CD}"/>
+                </a:ext>
+              </a:extLst>
+            </p:cNvPr>
+            <p:cNvSpPr/>
+            <p:nvPr/>
+          </p:nvSpPr>
+          <p:spPr>
+            <a:xfrm>
+              <a:off x="5018327" y="4055745"/>
+              <a:ext cx="487679" cy="179070"/>
+            </a:xfrm>
+            <a:prstGeom prst="roundRect">
+              <a:avLst>
+                <a:gd name="adj" fmla="val 31561"/>
+              </a:avLst>
+            </a:prstGeom>
+            <a:grpFill/>
+            <a:ln>
+              <a:noFill/>
+            </a:ln>
+          </p:spPr>
+          <p:style>
+            <a:lnRef idx="2">
+              <a:schemeClr val="accent1">
+                <a:shade val="50000"/>
+              </a:schemeClr>
+            </a:lnRef>
+            <a:fillRef idx="1">
+              <a:schemeClr val="accent1"/>
+            </a:fillRef>
+            <a:effectRef idx="0">
+              <a:schemeClr val="accent1"/>
+            </a:effectRef>
+            <a:fontRef idx="minor">
+              <a:schemeClr val="lt1"/>
+            </a:fontRef>
+          </p:style>
+          <p:txBody>
+            <a:bodyPr rtlCol="0" anchor="ctr"/>
+            <a:lstStyle/>
+            <a:p>
+              <a:pPr algn="ctr"/>
+              <a:endParaRPr lang="ko-KR" altLang="en-US"/>
+            </a:p>
+          </p:txBody>
+        </p:sp>
+        <p:sp>
+          <p:nvSpPr>
+            <p:cNvPr id="303" name="사각형: 둥근 모서리 302">
+              <a:extLst>
+                <a:ext uri="{FF2B5EF4-FFF2-40B4-BE49-F238E27FC236}">
+                  <a16:creationId xmlns:a16="http://schemas.microsoft.com/office/drawing/2014/main" id="{F439C4D5-603F-46F5-9C0B-FD1D75BF0B08}"/>
+                </a:ext>
+              </a:extLst>
+            </p:cNvPr>
+            <p:cNvSpPr/>
+            <p:nvPr/>
+          </p:nvSpPr>
+          <p:spPr>
+            <a:xfrm>
+              <a:off x="5603719" y="4116706"/>
+              <a:ext cx="167640" cy="1076324"/>
+            </a:xfrm>
+            <a:prstGeom prst="roundRect">
+              <a:avLst>
+                <a:gd name="adj" fmla="val 50000"/>
+              </a:avLst>
+            </a:prstGeom>
+            <a:grpFill/>
+            <a:ln>
+              <a:noFill/>
+            </a:ln>
+          </p:spPr>
+          <p:style>
+            <a:lnRef idx="2">
+              <a:schemeClr val="accent1">
+                <a:shade val="50000"/>
+              </a:schemeClr>
+            </a:lnRef>
+            <a:fillRef idx="1">
+              <a:schemeClr val="accent1"/>
+            </a:fillRef>
+            <a:effectRef idx="0">
+              <a:schemeClr val="accent1"/>
+            </a:effectRef>
+            <a:fontRef idx="minor">
+              <a:schemeClr val="lt1"/>
+            </a:fontRef>
+          </p:style>
+          <p:txBody>
+            <a:bodyPr rtlCol="0" anchor="ctr"/>
+            <a:lstStyle/>
+            <a:p>
+              <a:pPr algn="ctr"/>
+              <a:endParaRPr lang="ko-KR" altLang="en-US"/>
+            </a:p>
+          </p:txBody>
+        </p:sp>
+      </p:grpSp>
+      <p:sp>
+        <p:nvSpPr>
+          <p:cNvPr id="304" name="타원 303">
+            <a:extLst>
+              <a:ext uri="{FF2B5EF4-FFF2-40B4-BE49-F238E27FC236}">
+                <a16:creationId xmlns:a16="http://schemas.microsoft.com/office/drawing/2014/main" id="{D486D251-2366-45A5-9B84-554B0D336BAA}"/>
+              </a:ext>
+            </a:extLst>
+          </p:cNvPr>
+          <p:cNvSpPr/>
+          <p:nvPr/>
+        </p:nvSpPr>
+        <p:spPr>
+          <a:xfrm>
+            <a:off x="4327123" y="6147900"/>
+            <a:ext cx="151285" cy="140970"/>
+          </a:xfrm>
+          <a:prstGeom prst="ellipse">
+            <a:avLst/>
+          </a:prstGeom>
+          <a:solidFill>
+            <a:schemeClr val="bg1"/>
+          </a:solidFill>
+          <a:ln>
+            <a:noFill/>
+          </a:ln>
+        </p:spPr>
+        <p:style>
+          <a:lnRef idx="2">
+            <a:schemeClr val="accent1">
+              <a:shade val="50000"/>
+            </a:schemeClr>
+          </a:lnRef>
+          <a:fillRef idx="1">
+            <a:schemeClr val="accent1"/>
+          </a:fillRef>
+          <a:effectRef idx="0">
+            <a:schemeClr val="accent1"/>
+          </a:effectRef>
+          <a:fontRef idx="minor">
+            <a:schemeClr val="lt1"/>
+          </a:fontRef>
+        </p:style>
+        <p:txBody>
+          <a:bodyPr rtlCol="0" anchor="ctr"/>
+          <a:lstStyle/>
+          <a:p>
+            <a:pPr algn="ctr"/>
+            <a:endParaRPr lang="ko-KR" altLang="en-US"/>
+          </a:p>
+        </p:txBody>
+      </p:sp>
+      <p:sp>
+        <p:nvSpPr>
+          <p:cNvPr id="305" name="타원 304">
+            <a:extLst>
+              <a:ext uri="{FF2B5EF4-FFF2-40B4-BE49-F238E27FC236}">
+                <a16:creationId xmlns:a16="http://schemas.microsoft.com/office/drawing/2014/main" id="{0DB43F63-79BE-49F7-AA20-BE12C36D7D28}"/>
+              </a:ext>
+            </a:extLst>
+          </p:cNvPr>
+          <p:cNvSpPr/>
+          <p:nvPr/>
+        </p:nvSpPr>
+        <p:spPr>
+          <a:xfrm>
+            <a:off x="3724587" y="6145042"/>
+            <a:ext cx="151285" cy="140970"/>
+          </a:xfrm>
+          <a:prstGeom prst="ellipse">
+            <a:avLst/>
+          </a:prstGeom>
+          <a:solidFill>
+            <a:schemeClr val="bg1"/>
+          </a:solidFill>
+          <a:ln>
+            <a:noFill/>
+          </a:ln>
+        </p:spPr>
+        <p:style>
+          <a:lnRef idx="2">
+            <a:schemeClr val="accent1">
+              <a:shade val="50000"/>
+            </a:schemeClr>
+          </a:lnRef>
+          <a:fillRef idx="1">
+            <a:schemeClr val="accent1"/>
+          </a:fillRef>
+          <a:effectRef idx="0">
+            <a:schemeClr val="accent1"/>
+          </a:effectRef>
+          <a:fontRef idx="minor">
+            <a:schemeClr val="lt1"/>
+          </a:fontRef>
+        </p:style>
+        <p:txBody>
+          <a:bodyPr rtlCol="0" anchor="ctr"/>
+          <a:lstStyle/>
+          <a:p>
+            <a:pPr algn="ctr"/>
+            <a:endParaRPr lang="ko-KR" altLang="en-US"/>
+          </a:p>
+        </p:txBody>
+      </p:sp>
+      <p:sp>
+        <p:nvSpPr>
+          <p:cNvPr id="306" name="사각형: 둥근 모서리 305">
+            <a:extLst>
+              <a:ext uri="{FF2B5EF4-FFF2-40B4-BE49-F238E27FC236}">
+                <a16:creationId xmlns:a16="http://schemas.microsoft.com/office/drawing/2014/main" id="{C755C391-38A4-4E1D-AE36-9155F00537F7}"/>
+              </a:ext>
+            </a:extLst>
+          </p:cNvPr>
+          <p:cNvSpPr/>
+          <p:nvPr/>
+        </p:nvSpPr>
+        <p:spPr>
+          <a:xfrm>
+            <a:off x="3704979" y="5625930"/>
             <a:ext cx="773430" cy="430530"/>
           </a:xfrm>
           <a:prstGeom prst="roundRect">
